--- a/documentation.pptx
+++ b/documentation.pptx
@@ -5,17 +5,18 @@
     <p:sldMasterId id="2147483648" r:id="rId1"/>
   </p:sldMasterIdLst>
   <p:notesMasterIdLst>
-    <p:notesMasterId r:id="rId5"/>
+    <p:notesMasterId r:id="rId6"/>
   </p:notesMasterIdLst>
   <p:sldIdLst>
     <p:sldId id="288" r:id="rId2"/>
     <p:sldId id="289" r:id="rId3"/>
-    <p:sldId id="290" r:id="rId4"/>
+    <p:sldId id="291" r:id="rId4"/>
+    <p:sldId id="290" r:id="rId5"/>
   </p:sldIdLst>
   <p:sldSz cx="12192000" cy="6858000"/>
   <p:notesSz cx="6858000" cy="9144000"/>
   <p:custDataLst>
-    <p:tags r:id="rId6"/>
+    <p:tags r:id="rId7"/>
   </p:custDataLst>
   <p:defaultTextStyle>
     <a:defPPr>
@@ -712,9 +713,13 @@
           <a:bodyPr/>
           <a:lstStyle/>
           <a:p>
-            <a:endParaRPr lang="en-US">
-              <a:latin typeface="Arial" panose="020B0604020202020204" pitchFamily="34" charset="0"/>
-            </a:endParaRPr>
+            <a:r>
+              <a:rPr lang="en-US" dirty="0">
+                <a:hlinkClick r:id="rId3"/>
+              </a:rPr>
+              <a:t>https://jsoneditoronline.org/#left=url.https%3A%2F%2Fpricing.us-east-1.amazonaws.com%2FsavingsPlan%2Fv1.0%2Faws%2FAWSComputeSavingsPlan%2F20200806153551%2Fus-east-2%2Findex.json</a:t>
+            </a:r>
+            <a:endParaRPr lang="en-US" dirty="0"/>
           </a:p>
         </p:txBody>
       </p:sp>
@@ -738,6 +743,96 @@
                 <a:latin typeface="Arial" panose="020B0604020202020204" pitchFamily="34" charset="0"/>
               </a:rPr>
               <a:t>3</a:t>
+            </a:fld>
+            <a:endParaRPr lang="en-US">
+              <a:latin typeface="Arial" panose="020B0604020202020204" pitchFamily="34" charset="0"/>
+            </a:endParaRPr>
+          </a:p>
+        </p:txBody>
+      </p:sp>
+    </p:spTree>
+    <p:extLst>
+      <p:ext uri="{BB962C8B-B14F-4D97-AF65-F5344CB8AC3E}">
+        <p14:creationId xmlns:p14="http://schemas.microsoft.com/office/powerpoint/2010/main" val="2787659554"/>
+      </p:ext>
+    </p:extLst>
+  </p:cSld>
+  <p:clrMapOvr>
+    <a:masterClrMapping/>
+  </p:clrMapOvr>
+</p:notes>
+</file>
+
+<file path=ppt/notesSlides/notesSlide4.xml><?xml version="1.0" encoding="utf-8"?>
+<p:notes xmlns:a="http://schemas.openxmlformats.org/drawingml/2006/main" xmlns:r="http://schemas.openxmlformats.org/officeDocument/2006/relationships" xmlns:p="http://schemas.openxmlformats.org/presentationml/2006/main">
+  <p:cSld>
+    <p:spTree>
+      <p:nvGrpSpPr>
+        <p:cNvPr id="1" name=""/>
+        <p:cNvGrpSpPr/>
+        <p:nvPr/>
+      </p:nvGrpSpPr>
+      <p:grpSpPr>
+        <a:xfrm>
+          <a:off x="0" y="0"/>
+          <a:ext cx="0" cy="0"/>
+          <a:chOff x="0" y="0"/>
+          <a:chExt cx="0" cy="0"/>
+        </a:xfrm>
+      </p:grpSpPr>
+      <p:sp>
+        <p:nvSpPr>
+          <p:cNvPr id="2" name="Slide Image Placeholder 1"/>
+          <p:cNvSpPr>
+            <a:spLocks noGrp="1" noRot="1" noChangeAspect="1"/>
+          </p:cNvSpPr>
+          <p:nvPr>
+            <p:ph type="sldImg"/>
+          </p:nvPr>
+        </p:nvSpPr>
+        <p:spPr/>
+      </p:sp>
+      <p:sp>
+        <p:nvSpPr>
+          <p:cNvPr id="3" name="Notes Placeholder 2"/>
+          <p:cNvSpPr>
+            <a:spLocks noGrp="1"/>
+          </p:cNvSpPr>
+          <p:nvPr>
+            <p:ph type="body" idx="1"/>
+          </p:nvPr>
+        </p:nvSpPr>
+        <p:spPr/>
+        <p:txBody>
+          <a:bodyPr/>
+          <a:lstStyle/>
+          <a:p>
+            <a:endParaRPr lang="en-US">
+              <a:latin typeface="Arial" panose="020B0604020202020204" pitchFamily="34" charset="0"/>
+            </a:endParaRPr>
+          </a:p>
+        </p:txBody>
+      </p:sp>
+      <p:sp>
+        <p:nvSpPr>
+          <p:cNvPr id="4" name="Slide Number Placeholder 3"/>
+          <p:cNvSpPr>
+            <a:spLocks noGrp="1"/>
+          </p:cNvSpPr>
+          <p:nvPr>
+            <p:ph type="sldNum" sz="quarter" idx="5"/>
+          </p:nvPr>
+        </p:nvSpPr>
+        <p:spPr/>
+        <p:txBody>
+          <a:bodyPr/>
+          <a:lstStyle/>
+          <a:p>
+            <a:fld id="{DB6869C1-3516-47F6-89CF-29065F7DEDDE}" type="slidenum">
+              <a:rPr lang="en-US" smtClean="0">
+                <a:latin typeface="Arial" panose="020B0604020202020204" pitchFamily="34" charset="0"/>
+              </a:rPr>
+              <a:t>4</a:t>
             </a:fld>
             <a:endParaRPr lang="en-US">
               <a:latin typeface="Arial" panose="020B0604020202020204" pitchFamily="34" charset="0"/>
@@ -806,7 +901,7 @@
           <a:graphicData uri="http://schemas.openxmlformats.org/presentationml/2006/ole">
             <mc:AlternateContent xmlns:mc="http://schemas.openxmlformats.org/markup-compatibility/2006">
               <mc:Choice xmlns:v="urn:schemas-microsoft-com:vml" Requires="v">
-                <p:oleObj spid="_x0000_s5122" name="think-cell Slide" r:id="rId5" imgW="347" imgH="348" progId="TCLayout.ActiveDocument.1">
+                <p:oleObj spid="_x0000_s5126" name="think-cell Slide" r:id="rId5" imgW="347" imgH="348" progId="TCLayout.ActiveDocument.1">
                   <p:embed/>
                 </p:oleObj>
               </mc:Choice>
@@ -1149,7 +1244,7 @@
           <a:graphicData uri="http://schemas.openxmlformats.org/presentationml/2006/ole">
             <mc:AlternateContent xmlns:mc="http://schemas.openxmlformats.org/markup-compatibility/2006">
               <mc:Choice xmlns:v="urn:schemas-microsoft-com:vml" Requires="v">
-                <p:oleObj spid="_x0000_s2054" name="think-cell Slide" r:id="rId4" imgW="347" imgH="348" progId="TCLayout.ActiveDocument.1">
+                <p:oleObj spid="_x0000_s2058" name="think-cell Slide" r:id="rId4" imgW="347" imgH="348" progId="TCLayout.ActiveDocument.1">
                   <p:embed/>
                 </p:oleObj>
               </mc:Choice>
@@ -1492,7 +1587,7 @@
           <a:graphicData uri="http://schemas.openxmlformats.org/presentationml/2006/ole">
             <mc:AlternateContent xmlns:mc="http://schemas.openxmlformats.org/markup-compatibility/2006">
               <mc:Choice xmlns:v="urn:schemas-microsoft-com:vml" Requires="v">
-                <p:oleObj spid="_x0000_s1030" name="think-cell Slide" r:id="rId7" imgW="231" imgH="232" progId="TCLayout.ActiveDocument.1">
+                <p:oleObj spid="_x0000_s1034" name="think-cell Slide" r:id="rId7" imgW="231" imgH="232" progId="TCLayout.ActiveDocument.1">
                   <p:embed/>
                 </p:oleObj>
               </mc:Choice>
@@ -2182,7 +2277,7 @@
           <a:graphicData uri="http://schemas.openxmlformats.org/presentationml/2006/ole">
             <mc:AlternateContent xmlns:mc="http://schemas.openxmlformats.org/markup-compatibility/2006">
               <mc:Choice xmlns:v="urn:schemas-microsoft-com:vml" Requires="v">
-                <p:oleObj spid="_x0000_s3079" name="think-cell Slide" r:id="rId5" imgW="347" imgH="348" progId="TCLayout.ActiveDocument.1">
+                <p:oleObj spid="_x0000_s3084" name="think-cell Slide" r:id="rId5" imgW="347" imgH="348" progId="TCLayout.ActiveDocument.1">
                   <p:embed/>
                 </p:oleObj>
               </mc:Choice>
@@ -3007,7 +3102,7 @@
           <a:graphicData uri="http://schemas.openxmlformats.org/presentationml/2006/ole">
             <mc:AlternateContent xmlns:mc="http://schemas.openxmlformats.org/markup-compatibility/2006">
               <mc:Choice xmlns:v="urn:schemas-microsoft-com:vml" Requires="v">
-                <p:oleObj spid="_x0000_s4102" name="think-cell Slide" r:id="rId5" imgW="347" imgH="348" progId="TCLayout.ActiveDocument.1">
+                <p:oleObj spid="_x0000_s4107" name="think-cell Slide" r:id="rId5" imgW="347" imgH="348" progId="TCLayout.ActiveDocument.1">
                   <p:embed/>
                 </p:oleObj>
               </mc:Choice>
@@ -3273,6 +3368,261 @@
           </a:p>
         </p:txBody>
       </p:sp>
+      <p:sp>
+        <p:nvSpPr>
+          <p:cNvPr id="11" name="Rectangle 10">
+            <a:extLst>
+              <a:ext uri="{FF2B5EF4-FFF2-40B4-BE49-F238E27FC236}">
+                <a16:creationId xmlns:a16="http://schemas.microsoft.com/office/drawing/2014/main" id="{B5C5F1F8-B89E-4A3A-B2A6-91E5CF8591ED}"/>
+              </a:ext>
+            </a:extLst>
+          </p:cNvPr>
+          <p:cNvSpPr/>
+          <p:nvPr/>
+        </p:nvSpPr>
+        <p:spPr>
+          <a:xfrm>
+            <a:off x="8283932" y="2198183"/>
+            <a:ext cx="1742384" cy="208134"/>
+          </a:xfrm>
+          <a:prstGeom prst="rect">
+            <a:avLst/>
+          </a:prstGeom>
+          <a:noFill/>
+          <a:ln w="19050">
+            <a:solidFill>
+              <a:srgbClr val="C00000"/>
+            </a:solidFill>
+            <a:prstDash val="dash"/>
+          </a:ln>
+        </p:spPr>
+        <p:style>
+          <a:lnRef idx="2">
+            <a:schemeClr val="accent1">
+              <a:shade val="50000"/>
+            </a:schemeClr>
+          </a:lnRef>
+          <a:fillRef idx="1">
+            <a:schemeClr val="accent1"/>
+          </a:fillRef>
+          <a:effectRef idx="0">
+            <a:schemeClr val="accent1"/>
+          </a:effectRef>
+          <a:fontRef idx="minor">
+            <a:schemeClr val="lt1"/>
+          </a:fontRef>
+        </p:style>
+        <p:txBody>
+          <a:bodyPr rtlCol="0" anchor="ctr"/>
+          <a:lstStyle/>
+          <a:p>
+            <a:pPr algn="ctr"/>
+            <a:endParaRPr lang="en-US">
+              <a:latin typeface="Arial" panose="020B0604020202020204" pitchFamily="34" charset="0"/>
+              <a:sym typeface="Arial" panose="020B0604020202020204" pitchFamily="34" charset="0"/>
+            </a:endParaRPr>
+          </a:p>
+        </p:txBody>
+      </p:sp>
+      <p:sp>
+        <p:nvSpPr>
+          <p:cNvPr id="8" name="TextBox 7">
+            <a:extLst>
+              <a:ext uri="{FF2B5EF4-FFF2-40B4-BE49-F238E27FC236}">
+                <a16:creationId xmlns:a16="http://schemas.microsoft.com/office/drawing/2014/main" id="{7B01F3F3-6BA5-413C-8115-F18F354854A0}"/>
+              </a:ext>
+            </a:extLst>
+          </p:cNvPr>
+          <p:cNvSpPr txBox="1"/>
+          <p:nvPr/>
+        </p:nvSpPr>
+        <p:spPr>
+          <a:xfrm>
+            <a:off x="5185272" y="1000896"/>
+            <a:ext cx="6617368" cy="3139321"/>
+          </a:xfrm>
+          <a:prstGeom prst="rect">
+            <a:avLst/>
+          </a:prstGeom>
+          <a:noFill/>
+        </p:spPr>
+        <p:txBody>
+          <a:bodyPr wrap="square" rtlCol="0">
+            <a:spAutoFit/>
+          </a:bodyPr>
+          <a:lstStyle/>
+          <a:p>
+            <a:r>
+              <a:rPr lang="en-US" dirty="0"/>
+              <a:t> }, {</a:t>
+            </a:r>
+          </a:p>
+          <a:p>
+            <a:r>
+              <a:rPr lang="en-US" dirty="0"/>
+              <a:t>        "discountedSku" : "TBV6C3VKSXKFHHSC",</a:t>
+            </a:r>
+          </a:p>
+          <a:p>
+            <a:r>
+              <a:rPr lang="en-US" dirty="0"/>
+              <a:t>        "discountedUsageType" : "USE2-BoxUsage:t3a.xlarge",</a:t>
+            </a:r>
+          </a:p>
+          <a:p>
+            <a:r>
+              <a:rPr lang="en-US" dirty="0"/>
+              <a:t>        "discountedOperation" : "RunInstances",</a:t>
+            </a:r>
+          </a:p>
+          <a:p>
+            <a:r>
+              <a:rPr lang="en-US" dirty="0"/>
+              <a:t>        "discountedServiceCode" : "AmazonEC2",</a:t>
+            </a:r>
+          </a:p>
+          <a:p>
+            <a:r>
+              <a:rPr lang="en-US" dirty="0"/>
+              <a:t>        "rateCode" : "RQRC4CUNT9HUG9WC.TBV6C3VKSXKFHHSC",</a:t>
+            </a:r>
+          </a:p>
+          <a:p>
+            <a:r>
+              <a:rPr lang="en-US" dirty="0"/>
+              <a:t>        "unit" : "Hrs",</a:t>
+            </a:r>
+          </a:p>
+          <a:p>
+            <a:r>
+              <a:rPr lang="en-US" dirty="0"/>
+              <a:t>        "discountedRate" : {</a:t>
+            </a:r>
+          </a:p>
+          <a:p>
+            <a:r>
+              <a:rPr lang="en-US" dirty="0"/>
+              <a:t>          "price" : "0.0679",</a:t>
+            </a:r>
+          </a:p>
+          <a:p>
+            <a:r>
+              <a:rPr lang="en-US" dirty="0"/>
+              <a:t>          "currency" : "USD"</a:t>
+            </a:r>
+          </a:p>
+          <a:p>
+            <a:r>
+              <a:rPr lang="en-US" dirty="0"/>
+              <a:t>        }</a:t>
+            </a:r>
+          </a:p>
+        </p:txBody>
+      </p:sp>
+      <p:sp>
+        <p:nvSpPr>
+          <p:cNvPr id="13" name="TextBox 12">
+            <a:extLst>
+              <a:ext uri="{FF2B5EF4-FFF2-40B4-BE49-F238E27FC236}">
+                <a16:creationId xmlns:a16="http://schemas.microsoft.com/office/drawing/2014/main" id="{043ABA84-8531-4A62-9B76-16030598275F}"/>
+              </a:ext>
+            </a:extLst>
+          </p:cNvPr>
+          <p:cNvSpPr txBox="1"/>
+          <p:nvPr/>
+        </p:nvSpPr>
+        <p:spPr>
+          <a:xfrm>
+            <a:off x="902043" y="2198183"/>
+            <a:ext cx="4415801" cy="3693319"/>
+          </a:xfrm>
+          <a:prstGeom prst="rect">
+            <a:avLst/>
+          </a:prstGeom>
+          <a:noFill/>
+        </p:spPr>
+        <p:txBody>
+          <a:bodyPr wrap="square" rtlCol="0">
+            <a:spAutoFit/>
+          </a:bodyPr>
+          <a:lstStyle/>
+          <a:p>
+            <a:r>
+              <a:rPr lang="en-US" dirty="0"/>
+              <a:t>[“products”]</a:t>
+            </a:r>
+          </a:p>
+          <a:p>
+            <a:endParaRPr lang="en-US" dirty="0"/>
+          </a:p>
+          <a:p>
+            <a:r>
+              <a:rPr lang="en-US" dirty="0"/>
+              <a:t>"sku" : "RQRC4CUNT9HUG9WC",    </a:t>
+            </a:r>
+          </a:p>
+          <a:p>
+            <a:r>
+              <a:rPr lang="en-US" dirty="0"/>
+              <a:t>"productFamily" : "ComputeSavingsPlans",    </a:t>
+            </a:r>
+          </a:p>
+          <a:p>
+            <a:r>
+              <a:rPr lang="en-US" dirty="0"/>
+              <a:t>"serviceCode" : "ComputeSavingsPlans",    </a:t>
+            </a:r>
+          </a:p>
+          <a:p>
+            <a:r>
+              <a:rPr lang="en-US" dirty="0"/>
+              <a:t>"usageType" : "ComputeSP:3yrAllUpfront",    </a:t>
+            </a:r>
+          </a:p>
+          <a:p>
+            <a:r>
+              <a:rPr lang="en-US" dirty="0"/>
+              <a:t>"operation" : "",    "attributes" : </a:t>
+            </a:r>
+          </a:p>
+          <a:p>
+            <a:r>
+              <a:rPr lang="en-US" dirty="0"/>
+              <a:t>{      "purchaseOption" : "All Upfront",      </a:t>
+            </a:r>
+          </a:p>
+          <a:p>
+            <a:r>
+              <a:rPr lang="en-US" dirty="0"/>
+              <a:t>"granularity" : "hourly",      </a:t>
+            </a:r>
+          </a:p>
+          <a:p>
+            <a:r>
+              <a:rPr lang="en-US" dirty="0"/>
+              <a:t>"purchaseTerm" : "3yr",      </a:t>
+            </a:r>
+          </a:p>
+          <a:p>
+            <a:r>
+              <a:rPr lang="en-US" dirty="0"/>
+              <a:t>"locationType" : "AWS Region",      </a:t>
+            </a:r>
+          </a:p>
+          <a:p>
+            <a:r>
+              <a:rPr lang="en-US" dirty="0"/>
+              <a:t>"location" : "Any"    }  </a:t>
+            </a:r>
+          </a:p>
+          <a:p>
+            <a:r>
+              <a:rPr lang="en-US" dirty="0"/>
+              <a:t>}</a:t>
+            </a:r>
+          </a:p>
+        </p:txBody>
+      </p:sp>
     </p:spTree>
     <p:extLst>
       <p:ext uri="{BB962C8B-B14F-4D97-AF65-F5344CB8AC3E}">
@@ -3308,6 +3658,217 @@
           <p:cNvPr id="5" name="Object 4" hidden="1">
             <a:extLst>
               <a:ext uri="{FF2B5EF4-FFF2-40B4-BE49-F238E27FC236}">
+                <a16:creationId xmlns:a16="http://schemas.microsoft.com/office/drawing/2014/main" id="{2C6076DA-A57B-4FE5-8ECF-454FCEA6C095}"/>
+              </a:ext>
+            </a:extLst>
+          </p:cNvPr>
+          <p:cNvGraphicFramePr>
+            <a:graphicFrameLocks noChangeAspect="1"/>
+          </p:cNvGraphicFramePr>
+          <p:nvPr>
+            <p:custDataLst>
+              <p:tags r:id="rId2"/>
+            </p:custDataLst>
+            <p:extLst>
+              <p:ext uri="{D42A27DB-BD31-4B8C-83A1-F6EECF244321}">
+                <p14:modId xmlns:p14="http://schemas.microsoft.com/office/powerpoint/2010/main" val="4258381065"/>
+              </p:ext>
+            </p:extLst>
+          </p:nvPr>
+        </p:nvGraphicFramePr>
+        <p:xfrm>
+          <a:off x="1588" y="1588"/>
+          <a:ext cx="1588" cy="1588"/>
+        </p:xfrm>
+        <a:graphic>
+          <a:graphicData uri="http://schemas.openxmlformats.org/presentationml/2006/ole">
+            <mc:AlternateContent xmlns:mc="http://schemas.openxmlformats.org/markup-compatibility/2006">
+              <mc:Choice xmlns:v="urn:schemas-microsoft-com:vml" Requires="v">
+                <p:oleObj spid="_x0000_s7170" name="think-cell Slide" r:id="rId6" imgW="347" imgH="348" progId="TCLayout.ActiveDocument.1">
+                  <p:embed/>
+                </p:oleObj>
+              </mc:Choice>
+              <mc:Fallback>
+                <p:oleObj name="think-cell Slide" r:id="rId6" imgW="347" imgH="348" progId="TCLayout.ActiveDocument.1">
+                  <p:embed/>
+                  <p:pic>
+                    <p:nvPicPr>
+                      <p:cNvPr id="0" name=""/>
+                      <p:cNvPicPr/>
+                      <p:nvPr/>
+                    </p:nvPicPr>
+                    <p:blipFill>
+                      <a:blip r:embed="rId7"/>
+                      <a:stretch>
+                        <a:fillRect/>
+                      </a:stretch>
+                    </p:blipFill>
+                    <p:spPr>
+                      <a:xfrm>
+                        <a:off x="1588" y="1588"/>
+                        <a:ext cx="1588" cy="1588"/>
+                      </a:xfrm>
+                      <a:prstGeom prst="rect">
+                        <a:avLst/>
+                      </a:prstGeom>
+                    </p:spPr>
+                  </p:pic>
+                </p:oleObj>
+              </mc:Fallback>
+            </mc:AlternateContent>
+          </a:graphicData>
+        </a:graphic>
+      </p:graphicFrame>
+      <p:sp>
+        <p:nvSpPr>
+          <p:cNvPr id="6" name="Rectangle 5" hidden="1">
+            <a:extLst>
+              <a:ext uri="{FF2B5EF4-FFF2-40B4-BE49-F238E27FC236}">
+                <a16:creationId xmlns:a16="http://schemas.microsoft.com/office/drawing/2014/main" id="{0613013B-C265-4762-A036-67867F615C78}"/>
+              </a:ext>
+            </a:extLst>
+          </p:cNvPr>
+          <p:cNvSpPr/>
+          <p:nvPr>
+            <p:custDataLst>
+              <p:tags r:id="rId3"/>
+            </p:custDataLst>
+          </p:nvPr>
+        </p:nvSpPr>
+        <p:spPr>
+          <a:xfrm>
+            <a:off x="0" y="0"/>
+            <a:ext cx="158750" cy="158750"/>
+          </a:xfrm>
+          <a:prstGeom prst="rect">
+            <a:avLst/>
+          </a:prstGeom>
+        </p:spPr>
+        <p:style>
+          <a:lnRef idx="2">
+            <a:schemeClr val="accent1">
+              <a:shade val="50000"/>
+            </a:schemeClr>
+          </a:lnRef>
+          <a:fillRef idx="1">
+            <a:schemeClr val="accent1"/>
+          </a:fillRef>
+          <a:effectRef idx="0">
+            <a:schemeClr val="accent1"/>
+          </a:effectRef>
+          <a:fontRef idx="minor">
+            <a:schemeClr val="lt1"/>
+          </a:fontRef>
+        </p:style>
+        <p:txBody>
+          <a:bodyPr wrap="none" lIns="0" tIns="0" rIns="0" bIns="0" numCol="1" spcCol="0" rtlCol="0" anchor="ctr" anchorCtr="0">
+            <a:noAutofit/>
+          </a:bodyPr>
+          <a:lstStyle/>
+          <a:p>
+            <a:pPr algn="ctr"/>
+            <a:endParaRPr lang="en-US" sz="2800" b="1" dirty="0">
+              <a:latin typeface="Calibri Light" panose="020F0302020204030204" pitchFamily="34" charset="0"/>
+              <a:ea typeface="+mj-ea"/>
+              <a:cs typeface="+mj-cs"/>
+              <a:sym typeface="Calibri Light" panose="020F0302020204030204" pitchFamily="34" charset="0"/>
+            </a:endParaRPr>
+          </a:p>
+        </p:txBody>
+      </p:sp>
+      <p:sp>
+        <p:nvSpPr>
+          <p:cNvPr id="2" name="Title 1">
+            <a:extLst>
+              <a:ext uri="{FF2B5EF4-FFF2-40B4-BE49-F238E27FC236}">
+                <a16:creationId xmlns:a16="http://schemas.microsoft.com/office/drawing/2014/main" id="{58404A2B-8E8D-4A68-9CA5-92865B3DF2F0}"/>
+              </a:ext>
+            </a:extLst>
+          </p:cNvPr>
+          <p:cNvSpPr>
+            <a:spLocks noGrp="1"/>
+          </p:cNvSpPr>
+          <p:nvPr>
+            <p:ph type="title"/>
+          </p:nvPr>
+        </p:nvSpPr>
+        <p:spPr/>
+        <p:txBody>
+          <a:bodyPr/>
+          <a:lstStyle/>
+          <a:p>
+            <a:r>
+              <a:rPr lang="en-US" dirty="0"/>
+              <a:t>JSON schema for regional Savings Plan</a:t>
+            </a:r>
+          </a:p>
+        </p:txBody>
+      </p:sp>
+      <p:pic>
+        <p:nvPicPr>
+          <p:cNvPr id="3" name="Picture 2">
+            <a:extLst>
+              <a:ext uri="{FF2B5EF4-FFF2-40B4-BE49-F238E27FC236}">
+                <a16:creationId xmlns:a16="http://schemas.microsoft.com/office/drawing/2014/main" id="{637FBDD6-2AD8-4FF5-BE97-BEA92C14D540}"/>
+              </a:ext>
+            </a:extLst>
+          </p:cNvPr>
+          <p:cNvPicPr>
+            <a:picLocks noChangeAspect="1"/>
+          </p:cNvPicPr>
+          <p:nvPr/>
+        </p:nvPicPr>
+        <p:blipFill>
+          <a:blip r:embed="rId8"/>
+          <a:stretch>
+            <a:fillRect/>
+          </a:stretch>
+        </p:blipFill>
+        <p:spPr>
+          <a:xfrm>
+            <a:off x="857667" y="1709724"/>
+            <a:ext cx="3257717" cy="3759393"/>
+          </a:xfrm>
+          <a:prstGeom prst="rect">
+            <a:avLst/>
+          </a:prstGeom>
+        </p:spPr>
+      </p:pic>
+    </p:spTree>
+    <p:extLst>
+      <p:ext uri="{BB962C8B-B14F-4D97-AF65-F5344CB8AC3E}">
+        <p14:creationId xmlns:p14="http://schemas.microsoft.com/office/powerpoint/2010/main" val="2319652322"/>
+      </p:ext>
+    </p:extLst>
+  </p:cSld>
+  <p:clrMapOvr>
+    <a:masterClrMapping/>
+  </p:clrMapOvr>
+</p:sld>
+</file>
+
+<file path=ppt/slides/slide4.xml><?xml version="1.0" encoding="utf-8"?>
+<p:sld xmlns:a="http://schemas.openxmlformats.org/drawingml/2006/main" xmlns:r="http://schemas.openxmlformats.org/officeDocument/2006/relationships" xmlns:p="http://schemas.openxmlformats.org/presentationml/2006/main">
+  <p:cSld>
+    <p:spTree>
+      <p:nvGrpSpPr>
+        <p:cNvPr id="1" name=""/>
+        <p:cNvGrpSpPr/>
+        <p:nvPr/>
+      </p:nvGrpSpPr>
+      <p:grpSpPr>
+        <a:xfrm>
+          <a:off x="0" y="0"/>
+          <a:ext cx="0" cy="0"/>
+          <a:chOff x="0" y="0"/>
+          <a:chExt cx="0" cy="0"/>
+        </a:xfrm>
+      </p:grpSpPr>
+      <p:graphicFrame>
+        <p:nvGraphicFramePr>
+          <p:cNvPr id="5" name="Object 4" hidden="1">
+            <a:extLst>
+              <a:ext uri="{FF2B5EF4-FFF2-40B4-BE49-F238E27FC236}">
                 <a16:creationId xmlns:a16="http://schemas.microsoft.com/office/drawing/2014/main" id="{C583ADF2-6C78-4B49-BEFA-278C2A406A71}"/>
               </a:ext>
             </a:extLst>
@@ -3334,7 +3895,7 @@
           <a:graphicData uri="http://schemas.openxmlformats.org/presentationml/2006/ole">
             <mc:AlternateContent xmlns:mc="http://schemas.openxmlformats.org/markup-compatibility/2006">
               <mc:Choice xmlns:v="urn:schemas-microsoft-com:vml" Requires="v">
-                <p:oleObj spid="_x0000_s6146" name="think-cell Slide" r:id="rId5" imgW="347" imgH="348" progId="TCLayout.ActiveDocument.1">
+                <p:oleObj spid="_x0000_s6150" name="think-cell Slide" r:id="rId5" imgW="347" imgH="348" progId="TCLayout.ActiveDocument.1">
                   <p:embed/>
                 </p:oleObj>
               </mc:Choice>
@@ -3499,6 +4060,18 @@
 <file path=ppt/tags/tag1.xml><?xml version="1.0" encoding="utf-8"?>
 <p:tagLst xmlns:a="http://schemas.openxmlformats.org/drawingml/2006/main" xmlns:r="http://schemas.openxmlformats.org/officeDocument/2006/relationships" xmlns:p="http://schemas.openxmlformats.org/presentationml/2006/main">
   <p:tag name="THINKCELLUNDODONOTDELETE" val="0"/>
+</p:tagLst>
+</file>
+
+<file path=ppt/tags/tag10.xml><?xml version="1.0" encoding="utf-8"?>
+<p:tagLst xmlns:a="http://schemas.openxmlformats.org/drawingml/2006/main" xmlns:r="http://schemas.openxmlformats.org/officeDocument/2006/relationships" xmlns:p="http://schemas.openxmlformats.org/presentationml/2006/main">
+  <p:tag name="THINKCELLSHAPEDONOTDELETE" val="tB0eZJ5wiOY7W4DTHWzECqQ"/>
+</p:tagLst>
+</file>
+
+<file path=ppt/tags/tag11.xml><?xml version="1.0" encoding="utf-8"?>
+<p:tagLst xmlns:a="http://schemas.openxmlformats.org/drawingml/2006/main" xmlns:r="http://schemas.openxmlformats.org/officeDocument/2006/relationships" xmlns:p="http://schemas.openxmlformats.org/presentationml/2006/main">
+  <p:tag name="THINKCELLSHAPEDONOTDELETE" val="thinkcellActiveDocDoNotDelete"/>
 </p:tagLst>
 </file>
 

--- a/documentation.pptx
+++ b/documentation.pptx
@@ -901,7 +901,7 @@
           <a:graphicData uri="http://schemas.openxmlformats.org/presentationml/2006/ole">
             <mc:AlternateContent xmlns:mc="http://schemas.openxmlformats.org/markup-compatibility/2006">
               <mc:Choice xmlns:v="urn:schemas-microsoft-com:vml" Requires="v">
-                <p:oleObj spid="_x0000_s5126" name="think-cell Slide" r:id="rId5" imgW="347" imgH="348" progId="TCLayout.ActiveDocument.1">
+                <p:oleObj spid="_x0000_s5127" name="think-cell Slide" r:id="rId5" imgW="347" imgH="348" progId="TCLayout.ActiveDocument.1">
                   <p:embed/>
                 </p:oleObj>
               </mc:Choice>
@@ -1244,7 +1244,7 @@
           <a:graphicData uri="http://schemas.openxmlformats.org/presentationml/2006/ole">
             <mc:AlternateContent xmlns:mc="http://schemas.openxmlformats.org/markup-compatibility/2006">
               <mc:Choice xmlns:v="urn:schemas-microsoft-com:vml" Requires="v">
-                <p:oleObj spid="_x0000_s2058" name="think-cell Slide" r:id="rId4" imgW="347" imgH="348" progId="TCLayout.ActiveDocument.1">
+                <p:oleObj spid="_x0000_s2059" name="think-cell Slide" r:id="rId4" imgW="347" imgH="348" progId="TCLayout.ActiveDocument.1">
                   <p:embed/>
                 </p:oleObj>
               </mc:Choice>
@@ -1587,7 +1587,7 @@
           <a:graphicData uri="http://schemas.openxmlformats.org/presentationml/2006/ole">
             <mc:AlternateContent xmlns:mc="http://schemas.openxmlformats.org/markup-compatibility/2006">
               <mc:Choice xmlns:v="urn:schemas-microsoft-com:vml" Requires="v">
-                <p:oleObj spid="_x0000_s1034" name="think-cell Slide" r:id="rId7" imgW="231" imgH="232" progId="TCLayout.ActiveDocument.1">
+                <p:oleObj spid="_x0000_s1035" name="think-cell Slide" r:id="rId7" imgW="231" imgH="232" progId="TCLayout.ActiveDocument.1">
                   <p:embed/>
                 </p:oleObj>
               </mc:Choice>
@@ -2277,7 +2277,7 @@
           <a:graphicData uri="http://schemas.openxmlformats.org/presentationml/2006/ole">
             <mc:AlternateContent xmlns:mc="http://schemas.openxmlformats.org/markup-compatibility/2006">
               <mc:Choice xmlns:v="urn:schemas-microsoft-com:vml" Requires="v">
-                <p:oleObj spid="_x0000_s3084" name="think-cell Slide" r:id="rId5" imgW="347" imgH="348" progId="TCLayout.ActiveDocument.1">
+                <p:oleObj spid="_x0000_s3085" name="think-cell Slide" r:id="rId5" imgW="347" imgH="348" progId="TCLayout.ActiveDocument.1">
                   <p:embed/>
                 </p:oleObj>
               </mc:Choice>
@@ -3102,7 +3102,7 @@
           <a:graphicData uri="http://schemas.openxmlformats.org/presentationml/2006/ole">
             <mc:AlternateContent xmlns:mc="http://schemas.openxmlformats.org/markup-compatibility/2006">
               <mc:Choice xmlns:v="urn:schemas-microsoft-com:vml" Requires="v">
-                <p:oleObj spid="_x0000_s4107" name="think-cell Slide" r:id="rId5" imgW="347" imgH="348" progId="TCLayout.ActiveDocument.1">
+                <p:oleObj spid="_x0000_s4108" name="think-cell Slide" r:id="rId5" imgW="347" imgH="348" progId="TCLayout.ActiveDocument.1">
                   <p:embed/>
                 </p:oleObj>
               </mc:Choice>
@@ -3684,7 +3684,7 @@
           <a:graphicData uri="http://schemas.openxmlformats.org/presentationml/2006/ole">
             <mc:AlternateContent xmlns:mc="http://schemas.openxmlformats.org/markup-compatibility/2006">
               <mc:Choice xmlns:v="urn:schemas-microsoft-com:vml" Requires="v">
-                <p:oleObj spid="_x0000_s7170" name="think-cell Slide" r:id="rId6" imgW="347" imgH="348" progId="TCLayout.ActiveDocument.1">
+                <p:oleObj spid="_x0000_s7171" name="think-cell Slide" r:id="rId6" imgW="347" imgH="348" progId="TCLayout.ActiveDocument.1">
                   <p:embed/>
                 </p:oleObj>
               </mc:Choice>
@@ -3895,7 +3895,7 @@
           <a:graphicData uri="http://schemas.openxmlformats.org/presentationml/2006/ole">
             <mc:AlternateContent xmlns:mc="http://schemas.openxmlformats.org/markup-compatibility/2006">
               <mc:Choice xmlns:v="urn:schemas-microsoft-com:vml" Requires="v">
-                <p:oleObj spid="_x0000_s6150" name="think-cell Slide" r:id="rId5" imgW="347" imgH="348" progId="TCLayout.ActiveDocument.1">
+                <p:oleObj spid="_x0000_s6151" name="think-cell Slide" r:id="rId5" imgW="347" imgH="348" progId="TCLayout.ActiveDocument.1">
                   <p:embed/>
                 </p:oleObj>
               </mc:Choice>

--- a/documentation.pptx
+++ b/documentation.pptx
@@ -207,7 +207,7 @@
               <a:rPr lang="en-US" smtClean="0">
                 <a:latin typeface="Arial" panose="020B0604020202020204" pitchFamily="34" charset="0"/>
               </a:rPr>
-              <a:t>8/7/2020</a:t>
+              <a:t>8/8/2020</a:t>
             </a:fld>
             <a:endParaRPr lang="en-US">
               <a:latin typeface="Arial" panose="020B0604020202020204" pitchFamily="34" charset="0"/>
@@ -901,7 +901,7 @@
           <a:graphicData uri="http://schemas.openxmlformats.org/presentationml/2006/ole">
             <mc:AlternateContent xmlns:mc="http://schemas.openxmlformats.org/markup-compatibility/2006">
               <mc:Choice xmlns:v="urn:schemas-microsoft-com:vml" Requires="v">
-                <p:oleObj spid="_x0000_s5127" name="think-cell Slide" r:id="rId5" imgW="347" imgH="348" progId="TCLayout.ActiveDocument.1">
+                <p:oleObj spid="_x0000_s5129" name="think-cell Slide" r:id="rId5" imgW="347" imgH="348" progId="TCLayout.ActiveDocument.1">
                   <p:embed/>
                 </p:oleObj>
               </mc:Choice>
@@ -1123,7 +1123,7 @@
           <a:p>
             <a:fld id="{4DE2DC88-A117-43C6-AB26-37E1B6CD9A7A}" type="datetimeFigureOut">
               <a:rPr lang="en-US" smtClean="0"/>
-              <a:t>8/7/2020</a:t>
+              <a:t>8/8/2020</a:t>
             </a:fld>
             <a:endParaRPr lang="en-US"/>
           </a:p>
@@ -1244,7 +1244,7 @@
           <a:graphicData uri="http://schemas.openxmlformats.org/presentationml/2006/ole">
             <mc:AlternateContent xmlns:mc="http://schemas.openxmlformats.org/markup-compatibility/2006">
               <mc:Choice xmlns:v="urn:schemas-microsoft-com:vml" Requires="v">
-                <p:oleObj spid="_x0000_s2059" name="think-cell Slide" r:id="rId4" imgW="347" imgH="348" progId="TCLayout.ActiveDocument.1">
+                <p:oleObj spid="_x0000_s2061" name="think-cell Slide" r:id="rId4" imgW="347" imgH="348" progId="TCLayout.ActiveDocument.1">
                   <p:embed/>
                 </p:oleObj>
               </mc:Choice>
@@ -1328,7 +1328,7 @@
             <a:fld id="{C22EA489-A0F8-4015-B295-635A6644814B}" type="datetime1">
               <a:rPr lang="en-US" smtClean="0"/>
               <a:pPr/>
-              <a:t>8/7/2020</a:t>
+              <a:t>8/8/2020</a:t>
             </a:fld>
             <a:endParaRPr lang="en-US" dirty="0"/>
           </a:p>
@@ -1587,7 +1587,7 @@
           <a:graphicData uri="http://schemas.openxmlformats.org/presentationml/2006/ole">
             <mc:AlternateContent xmlns:mc="http://schemas.openxmlformats.org/markup-compatibility/2006">
               <mc:Choice xmlns:v="urn:schemas-microsoft-com:vml" Requires="v">
-                <p:oleObj spid="_x0000_s1035" name="think-cell Slide" r:id="rId7" imgW="231" imgH="232" progId="TCLayout.ActiveDocument.1">
+                <p:oleObj spid="_x0000_s1037" name="think-cell Slide" r:id="rId7" imgW="231" imgH="232" progId="TCLayout.ActiveDocument.1">
                   <p:embed/>
                 </p:oleObj>
               </mc:Choice>
@@ -1828,7 +1828,7 @@
             <a:fld id="{4DE2DC88-A117-43C6-AB26-37E1B6CD9A7A}" type="datetimeFigureOut">
               <a:rPr lang="en-US" smtClean="0"/>
               <a:pPr/>
-              <a:t>8/7/2020</a:t>
+              <a:t>8/8/2020</a:t>
             </a:fld>
             <a:endParaRPr lang="en-US"/>
           </a:p>
@@ -2277,7 +2277,7 @@
           <a:graphicData uri="http://schemas.openxmlformats.org/presentationml/2006/ole">
             <mc:AlternateContent xmlns:mc="http://schemas.openxmlformats.org/markup-compatibility/2006">
               <mc:Choice xmlns:v="urn:schemas-microsoft-com:vml" Requires="v">
-                <p:oleObj spid="_x0000_s3085" name="think-cell Slide" r:id="rId5" imgW="347" imgH="348" progId="TCLayout.ActiveDocument.1">
+                <p:oleObj spid="_x0000_s3088" name="think-cell Slide" r:id="rId5" imgW="347" imgH="348" progId="TCLayout.ActiveDocument.1">
                   <p:embed/>
                 </p:oleObj>
               </mc:Choice>
@@ -2533,7 +2533,7 @@
                 <a:latin typeface="Arial" panose="020B0604020202020204" pitchFamily="34" charset="0"/>
                 <a:sym typeface="Arial" panose="020B0604020202020204" pitchFamily="34" charset="0"/>
               </a:rPr>
-              <a:t>SKU lookup</a:t>
+              <a:t>SKU lookup 1.3GB</a:t>
             </a:r>
           </a:p>
         </p:txBody>
@@ -3102,7 +3102,7 @@
           <a:graphicData uri="http://schemas.openxmlformats.org/presentationml/2006/ole">
             <mc:AlternateContent xmlns:mc="http://schemas.openxmlformats.org/markup-compatibility/2006">
               <mc:Choice xmlns:v="urn:schemas-microsoft-com:vml" Requires="v">
-                <p:oleObj spid="_x0000_s4108" name="think-cell Slide" r:id="rId5" imgW="347" imgH="348" progId="TCLayout.ActiveDocument.1">
+                <p:oleObj spid="_x0000_s4110" name="think-cell Slide" r:id="rId5" imgW="347" imgH="348" progId="TCLayout.ActiveDocument.1">
                   <p:embed/>
                 </p:oleObj>
               </mc:Choice>
@@ -3255,121 +3255,6 @@
       </p:sp>
       <p:sp>
         <p:nvSpPr>
-          <p:cNvPr id="7" name="Rectangle 6">
-            <a:extLst>
-              <a:ext uri="{FF2B5EF4-FFF2-40B4-BE49-F238E27FC236}">
-                <a16:creationId xmlns:a16="http://schemas.microsoft.com/office/drawing/2014/main" id="{7C1C999A-C8DC-4580-B26C-7AB22D896B1C}"/>
-              </a:ext>
-            </a:extLst>
-          </p:cNvPr>
-          <p:cNvSpPr/>
-          <p:nvPr/>
-        </p:nvSpPr>
-        <p:spPr>
-          <a:xfrm>
-            <a:off x="902043" y="1308181"/>
-            <a:ext cx="2421924" cy="477913"/>
-          </a:xfrm>
-          <a:prstGeom prst="rect">
-            <a:avLst/>
-          </a:prstGeom>
-          <a:ln>
-            <a:noFill/>
-          </a:ln>
-        </p:spPr>
-        <p:style>
-          <a:lnRef idx="2">
-            <a:schemeClr val="accent1">
-              <a:shade val="50000"/>
-            </a:schemeClr>
-          </a:lnRef>
-          <a:fillRef idx="1">
-            <a:schemeClr val="accent1"/>
-          </a:fillRef>
-          <a:effectRef idx="0">
-            <a:schemeClr val="accent1"/>
-          </a:effectRef>
-          <a:fontRef idx="minor">
-            <a:schemeClr val="lt1"/>
-          </a:fontRef>
-        </p:style>
-        <p:txBody>
-          <a:bodyPr rtlCol="0" anchor="ctr"/>
-          <a:lstStyle/>
-          <a:p>
-            <a:pPr algn="ctr"/>
-            <a:r>
-              <a:rPr lang="en-US" dirty="0">
-                <a:latin typeface="Arial" panose="020B0604020202020204" pitchFamily="34" charset="0"/>
-                <a:sym typeface="Arial" panose="020B0604020202020204" pitchFamily="34" charset="0"/>
-              </a:rPr>
-              <a:t>SKU lookup</a:t>
-            </a:r>
-          </a:p>
-        </p:txBody>
-      </p:sp>
-      <p:sp>
-        <p:nvSpPr>
-          <p:cNvPr id="12" name="Oval 11">
-            <a:extLst>
-              <a:ext uri="{FF2B5EF4-FFF2-40B4-BE49-F238E27FC236}">
-                <a16:creationId xmlns:a16="http://schemas.microsoft.com/office/drawing/2014/main" id="{11772A44-4E6B-4819-90F2-0F204ECAE76A}"/>
-              </a:ext>
-            </a:extLst>
-          </p:cNvPr>
-          <p:cNvSpPr/>
-          <p:nvPr/>
-        </p:nvSpPr>
-        <p:spPr>
-          <a:xfrm>
-            <a:off x="713603" y="1170257"/>
-            <a:ext cx="324912" cy="324912"/>
-          </a:xfrm>
-          <a:prstGeom prst="ellipse">
-            <a:avLst/>
-          </a:prstGeom>
-          <a:solidFill>
-            <a:srgbClr val="4472C4"/>
-          </a:solidFill>
-          <a:ln w="19050">
-            <a:solidFill>
-              <a:schemeClr val="bg1"/>
-            </a:solidFill>
-          </a:ln>
-        </p:spPr>
-        <p:style>
-          <a:lnRef idx="2">
-            <a:schemeClr val="accent1">
-              <a:shade val="50000"/>
-            </a:schemeClr>
-          </a:lnRef>
-          <a:fillRef idx="1">
-            <a:schemeClr val="accent1"/>
-          </a:fillRef>
-          <a:effectRef idx="0">
-            <a:schemeClr val="accent1"/>
-          </a:effectRef>
-          <a:fontRef idx="minor">
-            <a:schemeClr val="lt1"/>
-          </a:fontRef>
-        </p:style>
-        <p:txBody>
-          <a:bodyPr rtlCol="0" anchor="ctr"/>
-          <a:lstStyle/>
-          <a:p>
-            <a:pPr algn="ctr"/>
-            <a:r>
-              <a:rPr lang="en-US" b="1" dirty="0">
-                <a:latin typeface="Arial" panose="020B0604020202020204" pitchFamily="34" charset="0"/>
-                <a:sym typeface="Arial" panose="020B0604020202020204" pitchFamily="34" charset="0"/>
-              </a:rPr>
-              <a:t>4</a:t>
-            </a:r>
-          </a:p>
-        </p:txBody>
-      </p:sp>
-      <p:sp>
-        <p:nvSpPr>
           <p:cNvPr id="11" name="Rectangle 10">
             <a:extLst>
               <a:ext uri="{FF2B5EF4-FFF2-40B4-BE49-F238E27FC236}">
@@ -3454,7 +3339,7 @@
           <a:p>
             <a:r>
               <a:rPr lang="en-US" dirty="0"/>
-              <a:t> }, {</a:t>
+              <a:t>    , {</a:t>
             </a:r>
           </a:p>
           <a:p>
@@ -3533,7 +3418,7 @@
         </p:nvSpPr>
         <p:spPr>
           <a:xfrm>
-            <a:off x="902043" y="2198183"/>
+            <a:off x="902043" y="1047809"/>
             <a:ext cx="4415801" cy="3693319"/>
           </a:xfrm>
           <a:prstGeom prst="rect">
@@ -3623,6 +3508,52 @@
           </a:p>
         </p:txBody>
       </p:sp>
+      <p:cxnSp>
+        <p:nvCxnSpPr>
+          <p:cNvPr id="3" name="Straight Connector 2">
+            <a:extLst>
+              <a:ext uri="{FF2B5EF4-FFF2-40B4-BE49-F238E27FC236}">
+                <a16:creationId xmlns:a16="http://schemas.microsoft.com/office/drawing/2014/main" id="{CECC1CD6-4BB4-45A3-B42E-CC250478170C}"/>
+              </a:ext>
+            </a:extLst>
+          </p:cNvPr>
+          <p:cNvCxnSpPr>
+            <a:cxnSpLocks/>
+          </p:cNvCxnSpPr>
+          <p:nvPr/>
+        </p:nvCxnSpPr>
+        <p:spPr>
+          <a:xfrm flipV="1">
+            <a:off x="5201264" y="1091381"/>
+            <a:ext cx="0" cy="5260257"/>
+          </a:xfrm>
+          <a:prstGeom prst="line">
+            <a:avLst/>
+          </a:prstGeom>
+          <a:ln>
+            <a:solidFill>
+              <a:schemeClr val="tx1">
+                <a:lumMod val="50000"/>
+                <a:lumOff val="50000"/>
+              </a:schemeClr>
+            </a:solidFill>
+          </a:ln>
+        </p:spPr>
+        <p:style>
+          <a:lnRef idx="1">
+            <a:schemeClr val="accent1"/>
+          </a:lnRef>
+          <a:fillRef idx="0">
+            <a:schemeClr val="accent1"/>
+          </a:fillRef>
+          <a:effectRef idx="0">
+            <a:schemeClr val="accent1"/>
+          </a:effectRef>
+          <a:fontRef idx="minor">
+            <a:schemeClr val="tx1"/>
+          </a:fontRef>
+        </p:style>
+      </p:cxnSp>
     </p:spTree>
     <p:extLst>
       <p:ext uri="{BB962C8B-B14F-4D97-AF65-F5344CB8AC3E}">
@@ -3684,7 +3615,7 @@
           <a:graphicData uri="http://schemas.openxmlformats.org/presentationml/2006/ole">
             <mc:AlternateContent xmlns:mc="http://schemas.openxmlformats.org/markup-compatibility/2006">
               <mc:Choice xmlns:v="urn:schemas-microsoft-com:vml" Requires="v">
-                <p:oleObj spid="_x0000_s7171" name="think-cell Slide" r:id="rId6" imgW="347" imgH="348" progId="TCLayout.ActiveDocument.1">
+                <p:oleObj spid="_x0000_s7173" name="think-cell Slide" r:id="rId6" imgW="347" imgH="348" progId="TCLayout.ActiveDocument.1">
                   <p:embed/>
                 </p:oleObj>
               </mc:Choice>
@@ -3895,7 +3826,7 @@
           <a:graphicData uri="http://schemas.openxmlformats.org/presentationml/2006/ole">
             <mc:AlternateContent xmlns:mc="http://schemas.openxmlformats.org/markup-compatibility/2006">
               <mc:Choice xmlns:v="urn:schemas-microsoft-com:vml" Requires="v">
-                <p:oleObj spid="_x0000_s6151" name="think-cell Slide" r:id="rId5" imgW="347" imgH="348" progId="TCLayout.ActiveDocument.1">
+                <p:oleObj spid="_x0000_s6153" name="think-cell Slide" r:id="rId5" imgW="347" imgH="348" progId="TCLayout.ActiveDocument.1">
                   <p:embed/>
                 </p:oleObj>
               </mc:Choice>
